--- a/Final/Dissertation PPT.pptx
+++ b/Final/Dissertation PPT.pptx
@@ -10906,8 +10906,27 @@
                 </a:solidFill>
                 <a:cs typeface="Times New Roman" panose="02020603050405020304" pitchFamily="18" charset="0"/>
               </a:rPr>
-              <a:t>Implementation</a:t>
-            </a:r>
+              <a:t>Implementation – </a:t>
+            </a:r>
+            <a:r>
+              <a:rPr lang="en-US" sz="2800" dirty="0">
+                <a:solidFill>
+                  <a:schemeClr val="accent1">
+                    <a:lumMod val="75000"/>
+                  </a:schemeClr>
+                </a:solidFill>
+                <a:cs typeface="Times New Roman" panose="02020603050405020304" pitchFamily="18" charset="0"/>
+              </a:rPr>
+              <a:t>On-chain</a:t>
+            </a:r>
+            <a:endParaRPr lang="en-IN" sz="2800" dirty="0">
+              <a:solidFill>
+                <a:schemeClr val="accent1">
+                  <a:lumMod val="75000"/>
+                </a:schemeClr>
+              </a:solidFill>
+              <a:cs typeface="Times New Roman" panose="02020603050405020304" pitchFamily="18" charset="0"/>
+            </a:endParaRPr>
           </a:p>
         </p:txBody>
       </p:sp>
@@ -10927,7 +10946,7 @@
         </p:nvSpPr>
         <p:spPr>
           <a:xfrm>
-            <a:off x="821530" y="1194464"/>
+            <a:off x="821530" y="1350884"/>
             <a:ext cx="7975629" cy="2011016"/>
           </a:xfrm>
           <a:prstGeom prst="rect">
@@ -11087,29 +11106,6 @@
               </a:defRPr>
             </a:lvl9pPr>
           </a:lstStyle>
-          <a:p>
-            <a:r>
-              <a:rPr lang="en-US" dirty="0" err="1">
-                <a:solidFill>
-                  <a:schemeClr val="accent1">
-                    <a:lumMod val="75000"/>
-                  </a:schemeClr>
-                </a:solidFill>
-                <a:latin typeface="+mj-lt"/>
-                <a:cs typeface="Times New Roman" panose="02020603050405020304" pitchFamily="18" charset="0"/>
-              </a:rPr>
-              <a:t>Onchain</a:t>
-            </a:r>
-            <a:endParaRPr lang="en-US" dirty="0">
-              <a:solidFill>
-                <a:schemeClr val="accent1">
-                  <a:lumMod val="75000"/>
-                </a:schemeClr>
-              </a:solidFill>
-              <a:latin typeface="+mj-lt"/>
-              <a:cs typeface="Times New Roman" panose="02020603050405020304" pitchFamily="18" charset="0"/>
-            </a:endParaRPr>
-          </a:p>
           <a:p>
             <a:pPr marL="342900" indent="-342900">
               <a:buFont typeface="Arial" pitchFamily="34" charset="0"/>
@@ -11616,46 +11612,6 @@
       </p:grpSpPr>
       <p:sp>
         <p:nvSpPr>
-          <p:cNvPr id="4" name="Title 3">
-            <a:extLst>
-              <a:ext uri="{FF2B5EF4-FFF2-40B4-BE49-F238E27FC236}">
-                <a16:creationId xmlns:a16="http://schemas.microsoft.com/office/drawing/2014/main" id="{7FBDB150-8D47-49A9-867D-87DB1D1D171C}"/>
-              </a:ext>
-            </a:extLst>
-          </p:cNvPr>
-          <p:cNvSpPr>
-            <a:spLocks noGrp="1"/>
-          </p:cNvSpPr>
-          <p:nvPr>
-            <p:ph type="title"/>
-          </p:nvPr>
-        </p:nvSpPr>
-        <p:spPr>
-          <a:xfrm>
-            <a:off x="821530" y="475871"/>
-            <a:ext cx="7500939" cy="421200"/>
-          </a:xfrm>
-        </p:spPr>
-        <p:txBody>
-          <a:bodyPr/>
-          <a:lstStyle/>
-          <a:p>
-            <a:r>
-              <a:rPr lang="en-IN" sz="2800" dirty="0">
-                <a:solidFill>
-                  <a:schemeClr val="accent1">
-                    <a:lumMod val="75000"/>
-                  </a:schemeClr>
-                </a:solidFill>
-                <a:cs typeface="Times New Roman" panose="02020603050405020304" pitchFamily="18" charset="0"/>
-              </a:rPr>
-              <a:t>Implementation</a:t>
-            </a:r>
-          </a:p>
-        </p:txBody>
-      </p:sp>
-      <p:sp>
-        <p:nvSpPr>
           <p:cNvPr id="6" name="Text Placeholder 16">
             <a:extLst>
               <a:ext uri="{FF2B5EF4-FFF2-40B4-BE49-F238E27FC236}">
@@ -11670,7 +11626,7 @@
         </p:nvSpPr>
         <p:spPr>
           <a:xfrm>
-            <a:off x="821531" y="1194464"/>
+            <a:off x="821530" y="1566242"/>
             <a:ext cx="6500020" cy="2011016"/>
           </a:xfrm>
           <a:prstGeom prst="rect">
@@ -11831,29 +11787,6 @@
             </a:lvl9pPr>
           </a:lstStyle>
           <a:p>
-            <a:r>
-              <a:rPr lang="en-US" dirty="0" err="1">
-                <a:solidFill>
-                  <a:schemeClr val="accent1">
-                    <a:lumMod val="75000"/>
-                  </a:schemeClr>
-                </a:solidFill>
-                <a:latin typeface="+mj-lt"/>
-                <a:cs typeface="Times New Roman" panose="02020603050405020304" pitchFamily="18" charset="0"/>
-              </a:rPr>
-              <a:t>Onchain</a:t>
-            </a:r>
-            <a:endParaRPr lang="en-US" dirty="0">
-              <a:solidFill>
-                <a:schemeClr val="accent1">
-                  <a:lumMod val="75000"/>
-                </a:schemeClr>
-              </a:solidFill>
-              <a:latin typeface="+mj-lt"/>
-              <a:cs typeface="Times New Roman" panose="02020603050405020304" pitchFamily="18" charset="0"/>
-            </a:endParaRPr>
-          </a:p>
-          <a:p>
             <a:pPr marL="342900" indent="-342900">
               <a:buFont typeface="Arial" pitchFamily="34" charset="0"/>
               <a:buChar char="•"/>
@@ -11993,6 +11926,83 @@
                 </a:schemeClr>
               </a:solidFill>
               <a:latin typeface="+mj-lt"/>
+              <a:cs typeface="Times New Roman" panose="02020603050405020304" pitchFamily="18" charset="0"/>
+            </a:endParaRPr>
+          </a:p>
+        </p:txBody>
+      </p:sp>
+      <p:sp>
+        <p:nvSpPr>
+          <p:cNvPr id="7" name="Title 3">
+            <a:extLst>
+              <a:ext uri="{FF2B5EF4-FFF2-40B4-BE49-F238E27FC236}">
+                <a16:creationId xmlns:a16="http://schemas.microsoft.com/office/drawing/2014/main" id="{D0DB2A5C-7631-437E-BE1A-9A9BDE2AE98C}"/>
+              </a:ext>
+            </a:extLst>
+          </p:cNvPr>
+          <p:cNvSpPr txBox="1">
+            <a:spLocks/>
+          </p:cNvSpPr>
+          <p:nvPr/>
+        </p:nvSpPr>
+        <p:spPr>
+          <a:xfrm>
+            <a:off x="821530" y="475871"/>
+            <a:ext cx="7500939" cy="421200"/>
+          </a:xfrm>
+          <a:prstGeom prst="rect">
+            <a:avLst/>
+          </a:prstGeom>
+        </p:spPr>
+        <p:txBody>
+          <a:bodyPr vert="horz" lIns="0" tIns="0" rIns="0" bIns="0" rtlCol="0" anchor="b" anchorCtr="0">
+            <a:noAutofit/>
+          </a:bodyPr>
+          <a:lstStyle>
+            <a:lvl1pPr algn="l" defTabSz="914400" rtl="0" eaLnBrk="1" latinLnBrk="0" hangingPunct="1">
+              <a:spcBef>
+                <a:spcPct val="0"/>
+              </a:spcBef>
+              <a:buNone/>
+              <a:defRPr sz="2600" b="1" kern="1200">
+                <a:solidFill>
+                  <a:schemeClr val="tx1"/>
+                </a:solidFill>
+                <a:latin typeface="+mj-lt"/>
+                <a:ea typeface="+mj-ea"/>
+                <a:cs typeface="+mj-cs"/>
+              </a:defRPr>
+            </a:lvl1pPr>
+          </a:lstStyle>
+          <a:p>
+            <a:r>
+              <a:rPr lang="en-IN" sz="2800">
+                <a:solidFill>
+                  <a:schemeClr val="accent1">
+                    <a:lumMod val="75000"/>
+                  </a:schemeClr>
+                </a:solidFill>
+                <a:cs typeface="Times New Roman" panose="02020603050405020304" pitchFamily="18" charset="0"/>
+              </a:rPr>
+              <a:t>Implementation – </a:t>
+            </a:r>
+            <a:r>
+              <a:rPr lang="en-US" sz="2800">
+                <a:solidFill>
+                  <a:schemeClr val="accent1">
+                    <a:lumMod val="75000"/>
+                  </a:schemeClr>
+                </a:solidFill>
+                <a:cs typeface="Times New Roman" panose="02020603050405020304" pitchFamily="18" charset="0"/>
+              </a:rPr>
+              <a:t>On-chain</a:t>
+            </a:r>
+            <a:endParaRPr lang="en-IN" sz="2800" dirty="0">
+              <a:solidFill>
+                <a:schemeClr val="accent1">
+                  <a:lumMod val="75000"/>
+                </a:schemeClr>
+              </a:solidFill>
               <a:cs typeface="Times New Roman" panose="02020603050405020304" pitchFamily="18" charset="0"/>
             </a:endParaRPr>
           </a:p>

--- a/Final/Dissertation PPT.pptx
+++ b/Final/Dissertation PPT.pptx
@@ -5,10 +5,10 @@
     <p:sldMasterId id="2147483648" r:id="rId1"/>
   </p:sldMasterIdLst>
   <p:notesMasterIdLst>
-    <p:notesMasterId r:id="rId30"/>
+    <p:notesMasterId r:id="rId31"/>
   </p:notesMasterIdLst>
   <p:handoutMasterIdLst>
-    <p:handoutMasterId r:id="rId31"/>
+    <p:handoutMasterId r:id="rId32"/>
   </p:handoutMasterIdLst>
   <p:sldIdLst>
     <p:sldId id="256" r:id="rId2"/>
@@ -38,7 +38,8 @@
     <p:sldId id="285" r:id="rId26"/>
     <p:sldId id="282" r:id="rId27"/>
     <p:sldId id="280" r:id="rId28"/>
-    <p:sldId id="260" r:id="rId29"/>
+    <p:sldId id="290" r:id="rId29"/>
+    <p:sldId id="260" r:id="rId30"/>
   </p:sldIdLst>
   <p:sldSz cx="9144000" cy="5143500" type="screen16x9"/>
   <p:notesSz cx="6858000" cy="9947275"/>
@@ -257,7 +258,7 @@
           <a:p>
             <a:fld id="{2FA2CE6C-339B-6D48-89EF-98BFB8A15979}" type="datetimeFigureOut">
               <a:rPr lang="en-US" smtClean="0"/>
-              <a:t>8/25/2020</a:t>
+              <a:t>8/27/2020</a:t>
             </a:fld>
             <a:endParaRPr lang="en-US"/>
           </a:p>
@@ -951,6 +952,12 @@
             </a:r>
           </a:p>
           <a:p>
+            <a:r>
+              <a:rPr lang="en-IN" dirty="0"/>
+              <a:t>Winning universe, losing universe, true universe, false universe</a:t>
+            </a:r>
+          </a:p>
+          <a:p>
             <a:endParaRPr lang="en-IN" dirty="0"/>
           </a:p>
         </p:txBody>
@@ -1291,6 +1298,93 @@
           <a:bodyPr/>
           <a:lstStyle/>
           <a:p>
+            <a:r>
+              <a:rPr lang="en-IN" sz="1200" kern="1200" dirty="0">
+                <a:solidFill>
+                  <a:schemeClr val="tx1"/>
+                </a:solidFill>
+                <a:effectLst/>
+                <a:latin typeface="+mn-lt"/>
+                <a:ea typeface="+mn-ea"/>
+                <a:cs typeface="Arial" panose="020B0604020202020204" pitchFamily="34" charset="0"/>
+              </a:rPr>
+              <a:t>Consider an example where the bounty submitted with a request is 2 ETH and, the participants are – </a:t>
+            </a:r>
+          </a:p>
+          <a:p>
+            <a:pPr lvl="0"/>
+            <a:r>
+              <a:rPr lang="en-IN" sz="1200" kern="1200" dirty="0">
+                <a:solidFill>
+                  <a:schemeClr val="tx1"/>
+                </a:solidFill>
+                <a:effectLst/>
+                <a:latin typeface="+mn-lt"/>
+                <a:ea typeface="+mn-ea"/>
+                <a:cs typeface="Arial" panose="020B0604020202020204" pitchFamily="34" charset="0"/>
+              </a:rPr>
+              <a:t>Designated reporter D1 who stakes a deposit of 2 REP – outcome O1</a:t>
+            </a:r>
+          </a:p>
+          <a:p>
+            <a:pPr lvl="0"/>
+            <a:r>
+              <a:rPr lang="en-IN" sz="1200" kern="1200" dirty="0">
+                <a:solidFill>
+                  <a:schemeClr val="tx1"/>
+                </a:solidFill>
+                <a:effectLst/>
+                <a:latin typeface="+mn-lt"/>
+                <a:ea typeface="+mn-ea"/>
+                <a:cs typeface="Arial" panose="020B0604020202020204" pitchFamily="34" charset="0"/>
+              </a:rPr>
+              <a:t>Voters – V1, V2 and V3 who stake deposits 4 REP, 3 REP and 2 REP respectively,  - (V2 and V3 support outcome O1)</a:t>
+            </a:r>
+          </a:p>
+          <a:p>
+            <a:pPr lvl="0"/>
+            <a:r>
+              <a:rPr lang="en-IN" sz="1200" kern="1200" dirty="0">
+                <a:solidFill>
+                  <a:schemeClr val="tx1"/>
+                </a:solidFill>
+                <a:effectLst/>
+                <a:latin typeface="+mn-lt"/>
+                <a:ea typeface="+mn-ea"/>
+                <a:cs typeface="Arial" panose="020B0604020202020204" pitchFamily="34" charset="0"/>
+              </a:rPr>
+              <a:t>Certifiers – C1 and C2 who deposits 10 REP and 15 REP respectively – (C2 supports outcome O1)</a:t>
+            </a:r>
+          </a:p>
+          <a:p>
+            <a:r>
+              <a:rPr lang="en-IN" sz="1200" kern="1200" dirty="0">
+                <a:solidFill>
+                  <a:schemeClr val="tx1"/>
+                </a:solidFill>
+                <a:effectLst/>
+                <a:latin typeface="+mn-lt"/>
+                <a:ea typeface="+mn-ea"/>
+                <a:cs typeface="Arial" panose="020B0604020202020204" pitchFamily="34" charset="0"/>
+              </a:rPr>
+              <a:t>The total REP staked as a deposit is 36 REP. </a:t>
+            </a:r>
+          </a:p>
+          <a:p>
+            <a:r>
+              <a:rPr lang="en-IN" sz="1200" kern="1200" dirty="0">
+                <a:solidFill>
+                  <a:schemeClr val="tx1"/>
+                </a:solidFill>
+                <a:effectLst/>
+                <a:latin typeface="+mn-lt"/>
+                <a:ea typeface="+mn-ea"/>
+                <a:cs typeface="Arial" panose="020B0604020202020204" pitchFamily="34" charset="0"/>
+              </a:rPr>
+              <a:t>Suppose voter V1 and certifier C1 report false outcomes, then they are penalized, and their deposit is transferred to the reward pool. At this point the reward pool holds a value of 2 ETH and 14 REP. Once the final outcome is decided, the deposits made by participants who reported correct outcomes are returned together with a proportionate reward. In our case voter V2 would receive a reward (3/22) * (2 ETH + 14 REP).</a:t>
+            </a:r>
+          </a:p>
+          <a:p>
             <a:endParaRPr lang="en-IN" dirty="0"/>
           </a:p>
         </p:txBody>
@@ -1971,7 +2065,7 @@
           <a:p>
             <a:r>
               <a:rPr lang="en-IN" dirty="0" err="1"/>
-              <a:t>oracleQuery</a:t>
+              <a:t>createRequest</a:t>
             </a:r>
             <a:r>
               <a:rPr lang="en-IN" dirty="0"/>
@@ -1981,7 +2075,7 @@
           <a:p>
             <a:r>
               <a:rPr lang="en-IN" dirty="0" err="1"/>
-              <a:t>updateQuery</a:t>
+              <a:t>updateCentralizedRequest</a:t>
             </a:r>
             <a:r>
               <a:rPr lang="en-IN" dirty="0"/>
@@ -2081,7 +2175,10 @@
           <a:bodyPr/>
           <a:lstStyle/>
           <a:p>
-            <a:endParaRPr lang="en-IN" dirty="0"/>
+            <a:r>
+              <a:rPr lang="en-IN" dirty="0"/>
+              <a:t>The database stores the requests that have been serviced.</a:t>
+            </a:r>
           </a:p>
         </p:txBody>
       </p:sp>
@@ -2448,6 +2545,91 @@
     <p:extLst>
       <p:ext uri="{BB962C8B-B14F-4D97-AF65-F5344CB8AC3E}">
         <p14:creationId xmlns:p14="http://schemas.microsoft.com/office/powerpoint/2010/main" val="1765441523"/>
+      </p:ext>
+    </p:extLst>
+  </p:cSld>
+  <p:clrMapOvr>
+    <a:masterClrMapping/>
+  </p:clrMapOvr>
+</p:notes>
+</file>
+
+<file path=ppt/notesSlides/notesSlide27.xml><?xml version="1.0" encoding="utf-8"?>
+<p:notes xmlns:a="http://schemas.openxmlformats.org/drawingml/2006/main" xmlns:r="http://schemas.openxmlformats.org/officeDocument/2006/relationships" xmlns:p="http://schemas.openxmlformats.org/presentationml/2006/main">
+  <p:cSld>
+    <p:spTree>
+      <p:nvGrpSpPr>
+        <p:cNvPr id="1" name=""/>
+        <p:cNvGrpSpPr/>
+        <p:nvPr/>
+      </p:nvGrpSpPr>
+      <p:grpSpPr>
+        <a:xfrm>
+          <a:off x="0" y="0"/>
+          <a:ext cx="0" cy="0"/>
+          <a:chOff x="0" y="0"/>
+          <a:chExt cx="0" cy="0"/>
+        </a:xfrm>
+      </p:grpSpPr>
+      <p:sp>
+        <p:nvSpPr>
+          <p:cNvPr id="2" name="Slide Image Placeholder 1"/>
+          <p:cNvSpPr>
+            <a:spLocks noGrp="1" noRot="1" noChangeAspect="1"/>
+          </p:cNvSpPr>
+          <p:nvPr>
+            <p:ph type="sldImg"/>
+          </p:nvPr>
+        </p:nvSpPr>
+        <p:spPr/>
+      </p:sp>
+      <p:sp>
+        <p:nvSpPr>
+          <p:cNvPr id="3" name="Notes Placeholder 2"/>
+          <p:cNvSpPr>
+            <a:spLocks noGrp="1"/>
+          </p:cNvSpPr>
+          <p:nvPr>
+            <p:ph type="body" idx="1"/>
+          </p:nvPr>
+        </p:nvSpPr>
+        <p:spPr/>
+        <p:txBody>
+          <a:bodyPr/>
+          <a:lstStyle/>
+          <a:p>
+            <a:endParaRPr lang="en-IN" dirty="0"/>
+          </a:p>
+        </p:txBody>
+      </p:sp>
+      <p:sp>
+        <p:nvSpPr>
+          <p:cNvPr id="4" name="Slide Number Placeholder 3"/>
+          <p:cNvSpPr>
+            <a:spLocks noGrp="1"/>
+          </p:cNvSpPr>
+          <p:nvPr>
+            <p:ph type="sldNum" sz="quarter" idx="5"/>
+          </p:nvPr>
+        </p:nvSpPr>
+        <p:spPr/>
+        <p:txBody>
+          <a:bodyPr/>
+          <a:lstStyle/>
+          <a:p>
+            <a:fld id="{49DD4D23-C98A-435E-AE88-9061F8349B02}" type="slidenum">
+              <a:rPr lang="en-GB" smtClean="0"/>
+              <a:pPr/>
+              <a:t>28</a:t>
+            </a:fld>
+            <a:endParaRPr lang="en-GB"/>
+          </a:p>
+        </p:txBody>
+      </p:sp>
+    </p:spTree>
+    <p:extLst>
+      <p:ext uri="{BB962C8B-B14F-4D97-AF65-F5344CB8AC3E}">
+        <p14:creationId xmlns:p14="http://schemas.microsoft.com/office/powerpoint/2010/main" val="716960797"/>
       </p:ext>
     </p:extLst>
   </p:cSld>
@@ -6274,7 +6456,7 @@
         </p:blipFill>
         <p:spPr bwMode="auto">
           <a:xfrm>
-            <a:off x="821530" y="1201889"/>
+            <a:off x="4885530" y="1134155"/>
             <a:ext cx="3777490" cy="3204000"/>
           </a:xfrm>
           <a:prstGeom prst="rect">
@@ -6286,6 +6468,310 @@
           </a:ln>
         </p:spPr>
       </p:pic>
+      <p:sp>
+        <p:nvSpPr>
+          <p:cNvPr id="6" name="Text Placeholder 16">
+            <a:extLst>
+              <a:ext uri="{FF2B5EF4-FFF2-40B4-BE49-F238E27FC236}">
+                <a16:creationId xmlns:a16="http://schemas.microsoft.com/office/drawing/2014/main" id="{F39823EE-69EB-48B5-A32C-9F47DDE80DB1}"/>
+              </a:ext>
+            </a:extLst>
+          </p:cNvPr>
+          <p:cNvSpPr txBox="1">
+            <a:spLocks/>
+          </p:cNvSpPr>
+          <p:nvPr/>
+        </p:nvSpPr>
+        <p:spPr>
+          <a:xfrm>
+            <a:off x="902811" y="1636678"/>
+            <a:ext cx="4246880" cy="1870144"/>
+          </a:xfrm>
+          <a:prstGeom prst="rect">
+            <a:avLst/>
+          </a:prstGeom>
+        </p:spPr>
+        <p:txBody>
+          <a:bodyPr vert="horz" lIns="0" tIns="0" rIns="0" bIns="0" rtlCol="0">
+            <a:noAutofit/>
+          </a:bodyPr>
+          <a:lstStyle>
+            <a:lvl1pPr marL="0" indent="0" algn="l" defTabSz="914400" rtl="0" eaLnBrk="1" latinLnBrk="0" hangingPunct="1">
+              <a:spcBef>
+                <a:spcPts val="1417"/>
+              </a:spcBef>
+              <a:buFont typeface="Arial" pitchFamily="34" charset="0"/>
+              <a:buNone/>
+              <a:defRPr sz="2000" b="1" kern="1200">
+                <a:solidFill>
+                  <a:schemeClr val="tx1"/>
+                </a:solidFill>
+                <a:latin typeface="+mn-lt"/>
+                <a:ea typeface="+mn-ea"/>
+                <a:cs typeface="+mn-cs"/>
+              </a:defRPr>
+            </a:lvl1pPr>
+            <a:lvl2pPr marL="317500" indent="-317500" algn="l" defTabSz="914400" rtl="0" eaLnBrk="1" latinLnBrk="0" hangingPunct="1">
+              <a:spcBef>
+                <a:spcPts val="1134"/>
+              </a:spcBef>
+              <a:buClr>
+                <a:schemeClr val="tx2"/>
+              </a:buClr>
+              <a:buFont typeface="Arial" pitchFamily="34" charset="0"/>
+              <a:buChar char="–"/>
+              <a:defRPr sz="2000" kern="1200">
+                <a:solidFill>
+                  <a:schemeClr val="tx1"/>
+                </a:solidFill>
+                <a:latin typeface="+mn-lt"/>
+                <a:ea typeface="+mn-ea"/>
+                <a:cs typeface="+mn-cs"/>
+              </a:defRPr>
+            </a:lvl2pPr>
+            <a:lvl3pPr marL="568325" indent="-222250" algn="l" defTabSz="914400" rtl="0" eaLnBrk="1" latinLnBrk="0" hangingPunct="1">
+              <a:spcBef>
+                <a:spcPts val="1134"/>
+              </a:spcBef>
+              <a:buClr>
+                <a:schemeClr val="tx2"/>
+              </a:buClr>
+              <a:buFont typeface="Arial" pitchFamily="34" charset="0"/>
+              <a:buChar char="•"/>
+              <a:defRPr sz="2000" kern="1200">
+                <a:solidFill>
+                  <a:schemeClr val="tx1"/>
+                </a:solidFill>
+                <a:latin typeface="+mn-lt"/>
+                <a:ea typeface="+mn-ea"/>
+                <a:cs typeface="+mn-cs"/>
+              </a:defRPr>
+            </a:lvl3pPr>
+            <a:lvl4pPr marL="784225" indent="-201613" algn="l" defTabSz="914400" rtl="0" eaLnBrk="1" latinLnBrk="0" hangingPunct="1">
+              <a:spcBef>
+                <a:spcPts val="1134"/>
+              </a:spcBef>
+              <a:buClr>
+                <a:schemeClr val="tx2"/>
+              </a:buClr>
+              <a:buFont typeface="Minion Pro" pitchFamily="18" charset="0"/>
+              <a:buChar char="‒"/>
+              <a:defRPr sz="2000" kern="1200">
+                <a:solidFill>
+                  <a:schemeClr val="tx1"/>
+                </a:solidFill>
+                <a:latin typeface="+mn-lt"/>
+                <a:ea typeface="+mn-ea"/>
+                <a:cs typeface="+mn-cs"/>
+              </a:defRPr>
+            </a:lvl4pPr>
+            <a:lvl5pPr marL="1000125" indent="-185738" algn="l" defTabSz="914400" rtl="0" eaLnBrk="1" latinLnBrk="0" hangingPunct="1">
+              <a:spcBef>
+                <a:spcPts val="1134"/>
+              </a:spcBef>
+              <a:buClr>
+                <a:schemeClr val="tx2"/>
+              </a:buClr>
+              <a:buFont typeface="Arial" pitchFamily="34" charset="0"/>
+              <a:buChar char="»"/>
+              <a:defRPr sz="2000" kern="1200">
+                <a:solidFill>
+                  <a:schemeClr val="tx1"/>
+                </a:solidFill>
+                <a:latin typeface="+mn-lt"/>
+                <a:ea typeface="+mn-ea"/>
+                <a:cs typeface="+mn-cs"/>
+              </a:defRPr>
+            </a:lvl5pPr>
+            <a:lvl6pPr marL="2514600" indent="-228600" algn="l" defTabSz="914400" rtl="0" eaLnBrk="1" latinLnBrk="0" hangingPunct="1">
+              <a:spcBef>
+                <a:spcPct val="20000"/>
+              </a:spcBef>
+              <a:buFont typeface="Arial" pitchFamily="34" charset="0"/>
+              <a:buChar char="•"/>
+              <a:defRPr sz="2000" kern="1200">
+                <a:solidFill>
+                  <a:schemeClr val="tx1"/>
+                </a:solidFill>
+                <a:latin typeface="+mn-lt"/>
+                <a:ea typeface="+mn-ea"/>
+                <a:cs typeface="+mn-cs"/>
+              </a:defRPr>
+            </a:lvl6pPr>
+            <a:lvl7pPr marL="2971800" indent="-228600" algn="l" defTabSz="914400" rtl="0" eaLnBrk="1" latinLnBrk="0" hangingPunct="1">
+              <a:spcBef>
+                <a:spcPct val="20000"/>
+              </a:spcBef>
+              <a:buFont typeface="Arial" pitchFamily="34" charset="0"/>
+              <a:buChar char="•"/>
+              <a:defRPr sz="2000" kern="1200">
+                <a:solidFill>
+                  <a:schemeClr val="tx1"/>
+                </a:solidFill>
+                <a:latin typeface="+mn-lt"/>
+                <a:ea typeface="+mn-ea"/>
+                <a:cs typeface="+mn-cs"/>
+              </a:defRPr>
+            </a:lvl7pPr>
+            <a:lvl8pPr marL="3429000" indent="-228600" algn="l" defTabSz="914400" rtl="0" eaLnBrk="1" latinLnBrk="0" hangingPunct="1">
+              <a:spcBef>
+                <a:spcPct val="20000"/>
+              </a:spcBef>
+              <a:buFont typeface="Arial" pitchFamily="34" charset="0"/>
+              <a:buChar char="•"/>
+              <a:defRPr sz="2000" kern="1200">
+                <a:solidFill>
+                  <a:schemeClr val="tx1"/>
+                </a:solidFill>
+                <a:latin typeface="+mn-lt"/>
+                <a:ea typeface="+mn-ea"/>
+                <a:cs typeface="+mn-cs"/>
+              </a:defRPr>
+            </a:lvl8pPr>
+            <a:lvl9pPr marL="3886200" indent="-228600" algn="l" defTabSz="914400" rtl="0" eaLnBrk="1" latinLnBrk="0" hangingPunct="1">
+              <a:spcBef>
+                <a:spcPct val="20000"/>
+              </a:spcBef>
+              <a:buFont typeface="Arial" pitchFamily="34" charset="0"/>
+              <a:buChar char="•"/>
+              <a:defRPr sz="2000" kern="1200">
+                <a:solidFill>
+                  <a:schemeClr val="tx1"/>
+                </a:solidFill>
+                <a:latin typeface="+mn-lt"/>
+                <a:ea typeface="+mn-ea"/>
+                <a:cs typeface="+mn-cs"/>
+              </a:defRPr>
+            </a:lvl9pPr>
+          </a:lstStyle>
+          <a:p>
+            <a:pPr marL="342900" indent="-342900">
+              <a:buFont typeface="Arial" pitchFamily="34" charset="0"/>
+              <a:buChar char="•"/>
+            </a:pPr>
+            <a:r>
+              <a:rPr lang="en-US" dirty="0">
+                <a:solidFill>
+                  <a:schemeClr val="accent1">
+                    <a:lumMod val="75000"/>
+                  </a:schemeClr>
+                </a:solidFill>
+                <a:latin typeface="+mj-lt"/>
+                <a:cs typeface="Times New Roman" panose="02020603050405020304" pitchFamily="18" charset="0"/>
+              </a:rPr>
+              <a:t>Import a .sol file provided by Provable</a:t>
+            </a:r>
+          </a:p>
+          <a:p>
+            <a:pPr marL="342900" indent="-342900">
+              <a:buFont typeface="Arial" pitchFamily="34" charset="0"/>
+              <a:buChar char="•"/>
+            </a:pPr>
+            <a:r>
+              <a:rPr lang="en-US" dirty="0">
+                <a:solidFill>
+                  <a:schemeClr val="accent1">
+                    <a:lumMod val="75000"/>
+                  </a:schemeClr>
+                </a:solidFill>
+                <a:latin typeface="+mj-lt"/>
+                <a:cs typeface="Times New Roman" panose="02020603050405020304" pitchFamily="18" charset="0"/>
+              </a:rPr>
+              <a:t>Inherit the </a:t>
+            </a:r>
+            <a:r>
+              <a:rPr lang="en-US" dirty="0" err="1">
+                <a:solidFill>
+                  <a:schemeClr val="accent1">
+                    <a:lumMod val="75000"/>
+                  </a:schemeClr>
+                </a:solidFill>
+                <a:latin typeface="+mj-lt"/>
+                <a:cs typeface="Times New Roman" panose="02020603050405020304" pitchFamily="18" charset="0"/>
+              </a:rPr>
+              <a:t>usingProvable</a:t>
+            </a:r>
+            <a:r>
+              <a:rPr lang="en-US" dirty="0">
+                <a:solidFill>
+                  <a:schemeClr val="accent1">
+                    <a:lumMod val="75000"/>
+                  </a:schemeClr>
+                </a:solidFill>
+                <a:latin typeface="+mj-lt"/>
+                <a:cs typeface="Times New Roman" panose="02020603050405020304" pitchFamily="18" charset="0"/>
+              </a:rPr>
+              <a:t> contract</a:t>
+            </a:r>
+          </a:p>
+          <a:p>
+            <a:pPr marL="342900" indent="-342900">
+              <a:buFont typeface="Arial" pitchFamily="34" charset="0"/>
+              <a:buChar char="•"/>
+            </a:pPr>
+            <a:r>
+              <a:rPr lang="en-US" dirty="0">
+                <a:solidFill>
+                  <a:schemeClr val="accent1">
+                    <a:lumMod val="75000"/>
+                  </a:schemeClr>
+                </a:solidFill>
+                <a:latin typeface="+mj-lt"/>
+                <a:cs typeface="Times New Roman" panose="02020603050405020304" pitchFamily="18" charset="0"/>
+              </a:rPr>
+              <a:t>E.g., </a:t>
+            </a:r>
+            <a:r>
+              <a:rPr lang="en-US" dirty="0" err="1">
+                <a:solidFill>
+                  <a:schemeClr val="accent1">
+                    <a:lumMod val="75000"/>
+                  </a:schemeClr>
+                </a:solidFill>
+                <a:latin typeface="+mj-lt"/>
+                <a:cs typeface="Times New Roman" panose="02020603050405020304" pitchFamily="18" charset="0"/>
+              </a:rPr>
+              <a:t>provable_query</a:t>
+            </a:r>
+            <a:r>
+              <a:rPr lang="en-US" dirty="0">
+                <a:solidFill>
+                  <a:schemeClr val="accent1">
+                    <a:lumMod val="75000"/>
+                  </a:schemeClr>
+                </a:solidFill>
+                <a:latin typeface="+mj-lt"/>
+                <a:cs typeface="Times New Roman" panose="02020603050405020304" pitchFamily="18" charset="0"/>
+              </a:rPr>
+              <a:t>(60, "</a:t>
+            </a:r>
+            <a:r>
+              <a:rPr lang="en-US" dirty="0" err="1">
+                <a:solidFill>
+                  <a:schemeClr val="accent1">
+                    <a:lumMod val="75000"/>
+                  </a:schemeClr>
+                </a:solidFill>
+                <a:latin typeface="+mj-lt"/>
+                <a:cs typeface="Times New Roman" panose="02020603050405020304" pitchFamily="18" charset="0"/>
+              </a:rPr>
+              <a:t>WolframAlpha</a:t>
+            </a:r>
+            <a:r>
+              <a:rPr lang="en-US" dirty="0">
+                <a:solidFill>
+                  <a:schemeClr val="accent1">
+                    <a:lumMod val="75000"/>
+                  </a:schemeClr>
+                </a:solidFill>
+                <a:latin typeface="+mj-lt"/>
+                <a:cs typeface="Times New Roman" panose="02020603050405020304" pitchFamily="18" charset="0"/>
+              </a:rPr>
+              <a:t>", "flip a coin");</a:t>
+            </a:r>
+          </a:p>
+        </p:txBody>
+      </p:sp>
     </p:spTree>
     <p:extLst>
       <p:ext uri="{BB962C8B-B14F-4D97-AF65-F5344CB8AC3E}">
@@ -11849,7 +12335,7 @@
                 <a:latin typeface="+mj-lt"/>
                 <a:cs typeface="Times New Roman" panose="02020603050405020304" pitchFamily="18" charset="0"/>
               </a:rPr>
-              <a:t>oracleQuery</a:t>
+              <a:t>createRequest</a:t>
             </a:r>
             <a:r>
               <a:rPr lang="en-US" sz="1800" dirty="0">
@@ -11861,7 +12347,7 @@
                 <a:latin typeface="+mj-lt"/>
                 <a:cs typeface="Times New Roman" panose="02020603050405020304" pitchFamily="18" charset="0"/>
               </a:rPr>
-              <a:t>() and </a:t>
+              <a:t>(), </a:t>
             </a:r>
             <a:r>
               <a:rPr lang="en-US" sz="1800" dirty="0" err="1">
@@ -11873,7 +12359,7 @@
                 <a:latin typeface="+mj-lt"/>
                 <a:cs typeface="Times New Roman" panose="02020603050405020304" pitchFamily="18" charset="0"/>
               </a:rPr>
-              <a:t>updateQuery</a:t>
+              <a:t>updateCentralizedRequest</a:t>
             </a:r>
             <a:r>
               <a:rPr lang="en-US" sz="1800" dirty="0">
@@ -11885,7 +12371,31 @@
                 <a:latin typeface="+mj-lt"/>
                 <a:cs typeface="Times New Roman" panose="02020603050405020304" pitchFamily="18" charset="0"/>
               </a:rPr>
-              <a:t>()</a:t>
+              <a:t>(), </a:t>
+            </a:r>
+            <a:r>
+              <a:rPr lang="en-US" sz="1800" dirty="0" err="1">
+                <a:solidFill>
+                  <a:schemeClr val="accent1">
+                    <a:lumMod val="75000"/>
+                  </a:schemeClr>
+                </a:solidFill>
+                <a:latin typeface="+mj-lt"/>
+                <a:cs typeface="Times New Roman" panose="02020603050405020304" pitchFamily="18" charset="0"/>
+              </a:rPr>
+              <a:t>updateDecentralizedRequest</a:t>
+            </a:r>
+            <a:r>
+              <a:rPr lang="en-US" sz="1800" dirty="0">
+                <a:solidFill>
+                  <a:schemeClr val="accent1">
+                    <a:lumMod val="75000"/>
+                  </a:schemeClr>
+                </a:solidFill>
+                <a:latin typeface="+mj-lt"/>
+                <a:cs typeface="Times New Roman" panose="02020603050405020304" pitchFamily="18" charset="0"/>
+              </a:rPr>
+              <a:t>() and callback()</a:t>
             </a:r>
           </a:p>
           <a:p>
@@ -13094,6 +13604,151 @@
       </p:grpSpPr>
       <p:sp>
         <p:nvSpPr>
+          <p:cNvPr id="4" name="Title 3">
+            <a:extLst>
+              <a:ext uri="{FF2B5EF4-FFF2-40B4-BE49-F238E27FC236}">
+                <a16:creationId xmlns:a16="http://schemas.microsoft.com/office/drawing/2014/main" id="{7FBDB150-8D47-49A9-867D-87DB1D1D171C}"/>
+              </a:ext>
+            </a:extLst>
+          </p:cNvPr>
+          <p:cNvSpPr>
+            <a:spLocks noGrp="1"/>
+          </p:cNvSpPr>
+          <p:nvPr>
+            <p:ph type="title"/>
+          </p:nvPr>
+        </p:nvSpPr>
+        <p:spPr>
+          <a:xfrm>
+            <a:off x="821530" y="475871"/>
+            <a:ext cx="7500939" cy="421200"/>
+          </a:xfrm>
+        </p:spPr>
+        <p:txBody>
+          <a:bodyPr/>
+          <a:lstStyle/>
+          <a:p>
+            <a:r>
+              <a:rPr lang="en-IN" sz="2800" dirty="0">
+                <a:solidFill>
+                  <a:schemeClr val="accent1">
+                    <a:lumMod val="75000"/>
+                  </a:schemeClr>
+                </a:solidFill>
+                <a:cs typeface="Times New Roman" panose="02020603050405020304" pitchFamily="18" charset="0"/>
+              </a:rPr>
+              <a:t>Future Works</a:t>
+            </a:r>
+          </a:p>
+        </p:txBody>
+      </p:sp>
+      <p:sp>
+        <p:nvSpPr>
+          <p:cNvPr id="17" name="Text Placeholder 16"/>
+          <p:cNvSpPr>
+            <a:spLocks noGrp="1"/>
+          </p:cNvSpPr>
+          <p:nvPr>
+            <p:ph type="body" sz="quarter" idx="10"/>
+          </p:nvPr>
+        </p:nvSpPr>
+        <p:spPr>
+          <a:xfrm>
+            <a:off x="821530" y="1494024"/>
+            <a:ext cx="5950077" cy="2246703"/>
+          </a:xfrm>
+        </p:spPr>
+        <p:txBody>
+          <a:bodyPr/>
+          <a:lstStyle/>
+          <a:p>
+            <a:pPr marL="342900" indent="-342900">
+              <a:buFont typeface="Arial" panose="020B0604020202020204" pitchFamily="34" charset="0"/>
+              <a:buChar char="•"/>
+            </a:pPr>
+            <a:r>
+              <a:rPr lang="en-US" dirty="0">
+                <a:solidFill>
+                  <a:schemeClr val="accent1">
+                    <a:lumMod val="75000"/>
+                  </a:schemeClr>
+                </a:solidFill>
+                <a:latin typeface="+mj-lt"/>
+                <a:cs typeface="Times New Roman" panose="02020603050405020304" pitchFamily="18" charset="0"/>
+              </a:rPr>
+              <a:t>Threat models E.g., majority certifiers belong to the top 20 percent of bad performers</a:t>
+            </a:r>
+          </a:p>
+          <a:p>
+            <a:pPr marL="342900" indent="-342900">
+              <a:buFont typeface="Arial" panose="020B0604020202020204" pitchFamily="34" charset="0"/>
+              <a:buChar char="•"/>
+            </a:pPr>
+            <a:r>
+              <a:rPr lang="en-US" dirty="0">
+                <a:solidFill>
+                  <a:schemeClr val="accent1">
+                    <a:lumMod val="75000"/>
+                  </a:schemeClr>
+                </a:solidFill>
+                <a:latin typeface="+mj-lt"/>
+                <a:cs typeface="Times New Roman" panose="02020603050405020304" pitchFamily="18" charset="0"/>
+              </a:rPr>
+              <a:t>Dashboard</a:t>
+            </a:r>
+          </a:p>
+          <a:p>
+            <a:pPr marL="342900" indent="-342900">
+              <a:buFont typeface="Arial" panose="020B0604020202020204" pitchFamily="34" charset="0"/>
+              <a:buChar char="•"/>
+            </a:pPr>
+            <a:r>
+              <a:rPr lang="en-US" dirty="0">
+                <a:solidFill>
+                  <a:schemeClr val="accent1">
+                    <a:lumMod val="75000"/>
+                  </a:schemeClr>
+                </a:solidFill>
+                <a:latin typeface="+mj-lt"/>
+                <a:cs typeface="Times New Roman" panose="02020603050405020304" pitchFamily="18" charset="0"/>
+              </a:rPr>
+              <a:t>REP token aging</a:t>
+            </a:r>
+          </a:p>
+        </p:txBody>
+      </p:sp>
+    </p:spTree>
+    <p:extLst>
+      <p:ext uri="{BB962C8B-B14F-4D97-AF65-F5344CB8AC3E}">
+        <p14:creationId xmlns:p14="http://schemas.microsoft.com/office/powerpoint/2010/main" val="2241804874"/>
+      </p:ext>
+    </p:extLst>
+  </p:cSld>
+  <p:clrMapOvr>
+    <a:masterClrMapping/>
+  </p:clrMapOvr>
+</p:sld>
+</file>
+
+<file path=ppt/slides/slide29.xml><?xml version="1.0" encoding="utf-8"?>
+<p:sld xmlns:a="http://schemas.openxmlformats.org/drawingml/2006/main" xmlns:r="http://schemas.openxmlformats.org/officeDocument/2006/relationships" xmlns:p="http://schemas.openxmlformats.org/presentationml/2006/main">
+  <p:cSld>
+    <p:spTree>
+      <p:nvGrpSpPr>
+        <p:cNvPr id="1" name=""/>
+        <p:cNvGrpSpPr/>
+        <p:nvPr/>
+      </p:nvGrpSpPr>
+      <p:grpSpPr>
+        <a:xfrm>
+          <a:off x="0" y="0"/>
+          <a:ext cx="0" cy="0"/>
+          <a:chOff x="0" y="0"/>
+          <a:chExt cx="0" cy="0"/>
+        </a:xfrm>
+      </p:grpSpPr>
+      <p:sp>
+        <p:nvSpPr>
           <p:cNvPr id="2" name="Title 1"/>
           <p:cNvSpPr>
             <a:spLocks noGrp="1"/>
@@ -13102,14 +13757,19 @@
             <p:ph type="ctrTitle"/>
           </p:nvPr>
         </p:nvSpPr>
-        <p:spPr/>
+        <p:spPr>
+          <a:xfrm>
+            <a:off x="877782" y="2363681"/>
+            <a:ext cx="7500939" cy="416138"/>
+          </a:xfrm>
+        </p:spPr>
         <p:txBody>
           <a:bodyPr/>
           <a:lstStyle/>
           <a:p>
             <a:r>
-              <a:rPr lang="en-GB"/>
-              <a:t>Thank You</a:t>
+              <a:rPr lang="en-GB" dirty="0"/>
+              <a:t>Thank You!</a:t>
             </a:r>
           </a:p>
         </p:txBody>
@@ -13453,14 +14113,21 @@
                 <a:latin typeface="+mj-lt"/>
                 <a:cs typeface="Times New Roman" panose="02020603050405020304" pitchFamily="18" charset="0"/>
               </a:rPr>
-              <a:t>Unspent transactions are kept in each fully-synchronized node, and therefore this model is named “UTXO”</a:t>
-            </a:r>
-          </a:p>
-          <a:p>
-            <a:pPr marL="342900" indent="-342900">
-              <a:buFont typeface="Arial" panose="020B0604020202020204" pitchFamily="34" charset="0"/>
-              <a:buChar char="•"/>
-            </a:pPr>
+              <a:t>E.g., Alice 12.5 BTC </a:t>
+            </a:r>
+            <a:r>
+              <a:rPr lang="en-US" dirty="0">
+                <a:solidFill>
+                  <a:schemeClr val="accent1">
+                    <a:lumMod val="75000"/>
+                  </a:schemeClr>
+                </a:solidFill>
+                <a:latin typeface="+mj-lt"/>
+                <a:cs typeface="Times New Roman" panose="02020603050405020304" pitchFamily="18" charset="0"/>
+                <a:sym typeface="Wingdings" panose="05000000000000000000" pitchFamily="2" charset="2"/>
+              </a:rPr>
+              <a:t> transaction sending 1 BTC to Bob  Alice receives 11.5 BTC as new UTXOs; Bob’s previous balance 2 BTC  current balance 3 BTC  Bob’s wallet keeps track of 2 UTXOs</a:t>
+            </a:r>
             <a:endParaRPr lang="en-US" dirty="0">
               <a:solidFill>
                 <a:schemeClr val="accent1">
@@ -13915,7 +14582,7 @@
                 <a:latin typeface="+mj-lt"/>
                 <a:cs typeface="Times New Roman" panose="02020603050405020304" pitchFamily="18" charset="0"/>
               </a:rPr>
-              <a:t>Turing complete blockchain</a:t>
+              <a:t>Turing complete blockchain, uses the EVM</a:t>
             </a:r>
           </a:p>
           <a:p>

--- a/Final/Dissertation PPT.pptx
+++ b/Final/Dissertation PPT.pptx
@@ -258,7 +258,7 @@
           <a:p>
             <a:fld id="{2FA2CE6C-339B-6D48-89EF-98BFB8A15979}" type="datetimeFigureOut">
               <a:rPr lang="en-US" smtClean="0"/>
-              <a:t>8/27/2020</a:t>
+              <a:t>8/28/2020</a:t>
             </a:fld>
             <a:endParaRPr lang="en-US"/>
           </a:p>

--- a/Final/Dissertation PPT.pptx
+++ b/Final/Dissertation PPT.pptx
@@ -258,7 +258,7 @@
           <a:p>
             <a:fld id="{2FA2CE6C-339B-6D48-89EF-98BFB8A15979}" type="datetimeFigureOut">
               <a:rPr lang="en-US" smtClean="0"/>
-              <a:t>8/28/2020</a:t>
+              <a:t>8/31/2020</a:t>
             </a:fld>
             <a:endParaRPr lang="en-US"/>
           </a:p>
@@ -849,7 +849,10 @@
           <a:bodyPr/>
           <a:lstStyle/>
           <a:p>
-            <a:endParaRPr lang="en-IN" dirty="0"/>
+            <a:r>
+              <a:rPr lang="en-IN" dirty="0"/>
+              <a:t>Market creator submits – market, designated reporter, no-show bond, validity bond</a:t>
+            </a:r>
           </a:p>
         </p:txBody>
       </p:sp>
@@ -1382,6 +1385,67 @@
                 <a:cs typeface="Arial" panose="020B0604020202020204" pitchFamily="34" charset="0"/>
               </a:rPr>
               <a:t>Suppose voter V1 and certifier C1 report false outcomes, then they are penalized, and their deposit is transferred to the reward pool. At this point the reward pool holds a value of 2 ETH and 14 REP. Once the final outcome is decided, the deposits made by participants who reported correct outcomes are returned together with a proportionate reward. In our case voter V2 would receive a reward (3/22) * (2 ETH + 14 REP).</a:t>
+            </a:r>
+          </a:p>
+          <a:p>
+            <a:endParaRPr lang="en-IN" sz="1200" kern="1200" dirty="0">
+              <a:solidFill>
+                <a:schemeClr val="tx1"/>
+              </a:solidFill>
+              <a:effectLst/>
+              <a:latin typeface="+mn-lt"/>
+              <a:ea typeface="+mn-ea"/>
+              <a:cs typeface="Arial" panose="020B0604020202020204" pitchFamily="34" charset="0"/>
+            </a:endParaRPr>
+          </a:p>
+          <a:p>
+            <a:r>
+              <a:rPr lang="en-IN" sz="1200" kern="1200" dirty="0" err="1">
+                <a:solidFill>
+                  <a:schemeClr val="tx1"/>
+                </a:solidFill>
+                <a:effectLst/>
+                <a:latin typeface="+mn-lt"/>
+                <a:ea typeface="+mn-ea"/>
+                <a:cs typeface="Arial" panose="020B0604020202020204" pitchFamily="34" charset="0"/>
+              </a:rPr>
+              <a:t>Vmin</a:t>
+            </a:r>
+            <a:r>
+              <a:rPr lang="en-IN" sz="1200" kern="1200" dirty="0">
+                <a:solidFill>
+                  <a:schemeClr val="tx1"/>
+                </a:solidFill>
+                <a:effectLst/>
+                <a:latin typeface="+mn-lt"/>
+                <a:ea typeface="+mn-ea"/>
+                <a:cs typeface="Arial" panose="020B0604020202020204" pitchFamily="34" charset="0"/>
+              </a:rPr>
+              <a:t> and </a:t>
+            </a:r>
+            <a:r>
+              <a:rPr lang="en-IN" sz="1200" kern="1200" dirty="0" err="1">
+                <a:solidFill>
+                  <a:schemeClr val="tx1"/>
+                </a:solidFill>
+                <a:effectLst/>
+                <a:latin typeface="+mn-lt"/>
+                <a:ea typeface="+mn-ea"/>
+                <a:cs typeface="Arial" panose="020B0604020202020204" pitchFamily="34" charset="0"/>
+              </a:rPr>
+              <a:t>Cmin</a:t>
+            </a:r>
+            <a:r>
+              <a:rPr lang="en-IN" sz="1200" kern="1200" dirty="0">
+                <a:solidFill>
+                  <a:schemeClr val="tx1"/>
+                </a:solidFill>
+                <a:effectLst/>
+                <a:latin typeface="+mn-lt"/>
+                <a:ea typeface="+mn-ea"/>
+                <a:cs typeface="Arial" panose="020B0604020202020204" pitchFamily="34" charset="0"/>
+              </a:rPr>
+              <a:t> indicate minimum voters and certifiers</a:t>
             </a:r>
           </a:p>
           <a:p>
@@ -9364,12 +9428,12 @@
                         </a:spcAft>
                       </a:pPr>
                       <a:r>
-                        <a:rPr lang="en-IN" sz="1200">
+                        <a:rPr lang="en-IN" sz="1200" dirty="0">
                           <a:effectLst/>
                         </a:rPr>
                         <a:t>Centralized oracle, Ultimate oracle</a:t>
                       </a:r>
-                      <a:endParaRPr lang="en-IN" sz="1300">
+                      <a:endParaRPr lang="en-IN" sz="1300" dirty="0">
                         <a:effectLst/>
                         <a:latin typeface="Calibri" panose="020F0502020204030204" pitchFamily="34" charset="0"/>
                         <a:ea typeface="Calibri" panose="020F0502020204030204" pitchFamily="34" charset="0"/>
@@ -11844,7 +11908,7 @@
                 <a:latin typeface="+mj-lt"/>
                 <a:cs typeface="Times New Roman" panose="02020603050405020304" pitchFamily="18" charset="0"/>
               </a:rPr>
-              <a:t>;          // address of the contract to return the value</a:t>
+              <a:t>;          // address of the requesting contract to return the value</a:t>
             </a:r>
           </a:p>
           <a:p>
@@ -12604,8 +12668,8 @@
         </p:nvSpPr>
         <p:spPr>
           <a:xfrm>
-            <a:off x="821530" y="1334164"/>
-            <a:ext cx="7975629" cy="2011016"/>
+            <a:off x="821531" y="1334164"/>
+            <a:ext cx="6493670" cy="2011016"/>
           </a:xfrm>
           <a:prstGeom prst="rect">
             <a:avLst/>
@@ -12811,7 +12875,7 @@
                 <a:latin typeface="+mj-lt"/>
                 <a:cs typeface="Times New Roman" panose="02020603050405020304" pitchFamily="18" charset="0"/>
               </a:rPr>
-              <a:t>Node.js used to connect to the database</a:t>
+              <a:t>Node.js used to connect to the database, make http requests</a:t>
             </a:r>
           </a:p>
           <a:p>
@@ -12829,7 +12893,7 @@
                 <a:latin typeface="+mj-lt"/>
                 <a:cs typeface="Times New Roman" panose="02020603050405020304" pitchFamily="18" charset="0"/>
               </a:rPr>
-              <a:t>Web3 is used to poll the oracle contract for events</a:t>
+              <a:t>Web3 is used to poll the oracle contract for events, send signed transactions</a:t>
             </a:r>
           </a:p>
           <a:p>
@@ -12947,7 +13011,7 @@
         <p:spPr>
           <a:xfrm>
             <a:off x="821530" y="1334164"/>
-            <a:ext cx="7975629" cy="2011016"/>
+            <a:ext cx="6463933" cy="2011016"/>
           </a:xfrm>
           <a:prstGeom prst="rect">
             <a:avLst/>
@@ -13174,7 +13238,7 @@
                 <a:latin typeface="+mj-lt"/>
                 <a:cs typeface="Times New Roman" panose="02020603050405020304" pitchFamily="18" charset="0"/>
               </a:rPr>
-              <a:t>Web3 is used to poll the oracle contract for events</a:t>
+              <a:t>Web3 is used to poll the oracle contract for events, send signed transactions</a:t>
             </a:r>
           </a:p>
           <a:p>
